--- a/FINAL PROJECT.pptx
+++ b/FINAL PROJECT.pptx
@@ -145,14 +145,6 @@
     </p:ext>
   </p:extLst>
 </p:presentation>
-</file>
-
-<file path=ppt/revisionInfo.xml><?xml version="1.0" encoding="utf-8"?>
-<p1510:revInfo xmlns:a="http://schemas.openxmlformats.org/drawingml/2006/main" xmlns:r="http://schemas.openxmlformats.org/officeDocument/2006/relationships" xmlns:p1510="http://schemas.microsoft.com/office/powerpoint/2015/10/main">
-  <p1510:revLst>
-    <p1510:client id="{C099915C-5D3B-4D9D-8279-1A61FF22AE89}" v="561" dt="2020-04-14T12:20:38.873"/>
-  </p1510:revLst>
-</p1510:revInfo>
 </file>
 
 <file path=ppt/handoutMasters/handoutMaster1.xml><?xml version="1.0" encoding="utf-8"?>
@@ -9115,7 +9107,7 @@
                   <a:schemeClr val="bg1"/>
                 </a:solidFill>
               </a:rPr>
-              <a:t>6.</a:t>
+              <a:t>8.Kubernetes</a:t>
             </a:r>
             <a:endParaRPr lang="fr-FR" sz="1600" b="1" dirty="0"/>
           </a:p>
